--- a/Session 29.11.16 Github Setup.pptx
+++ b/Session 29.11.16 Github Setup.pptx
@@ -13,6 +13,8 @@
     <p:sldId id="257" r:id="rId7"/>
     <p:sldId id="259" r:id="rId8"/>
     <p:sldId id="261" r:id="rId9"/>
+    <p:sldId id="265" r:id="rId10"/>
+    <p:sldId id="266" r:id="rId11"/>
   </p:sldIdLst>
   <p:sldSz cx="12192000" cy="6858000"/>
   <p:notesSz cx="6858000" cy="9144000"/>
@@ -3268,6 +3270,370 @@
 </p:sld>
 </file>
 
+<file path=ppt/slides/slide10.xml><?xml version="1.0" encoding="utf-8"?>
+<p:sld xmlns:a="http://schemas.openxmlformats.org/drawingml/2006/main" xmlns:r="http://schemas.openxmlformats.org/officeDocument/2006/relationships" xmlns:p="http://schemas.openxmlformats.org/presentationml/2006/main">
+  <p:cSld>
+    <p:spTree>
+      <p:nvGrpSpPr>
+        <p:cNvPr id="1" name=""/>
+        <p:cNvGrpSpPr/>
+        <p:nvPr/>
+      </p:nvGrpSpPr>
+      <p:grpSpPr>
+        <a:xfrm>
+          <a:off x="0" y="0"/>
+          <a:ext cx="0" cy="0"/>
+          <a:chOff x="0" y="0"/>
+          <a:chExt cx="0" cy="0"/>
+        </a:xfrm>
+      </p:grpSpPr>
+      <p:sp>
+        <p:nvSpPr>
+          <p:cNvPr id="2" name="Titel 1"/>
+          <p:cNvSpPr>
+            <a:spLocks noGrp="1"/>
+          </p:cNvSpPr>
+          <p:nvPr>
+            <p:ph type="title"/>
+          </p:nvPr>
+        </p:nvSpPr>
+        <p:spPr/>
+        <p:txBody>
+          <a:bodyPr/>
+          <a:lstStyle/>
+          <a:p>
+            <a:r>
+              <a:rPr lang="de-DE" dirty="0" smtClean="0"/>
+              <a:t>Setup </a:t>
+            </a:r>
+            <a:r>
+              <a:rPr lang="de-DE" dirty="0" err="1" smtClean="0"/>
+              <a:t>of</a:t>
+            </a:r>
+            <a:r>
+              <a:rPr lang="de-DE" dirty="0" smtClean="0"/>
+              <a:t> </a:t>
+            </a:r>
+            <a:r>
+              <a:rPr lang="de-DE" dirty="0" err="1" smtClean="0"/>
+              <a:t>Github</a:t>
+            </a:r>
+            <a:r>
+              <a:rPr lang="de-DE" dirty="0" smtClean="0"/>
+              <a:t> on a Mac</a:t>
+            </a:r>
+            <a:endParaRPr lang="en-GB" dirty="0"/>
+          </a:p>
+        </p:txBody>
+      </p:sp>
+      <p:sp>
+        <p:nvSpPr>
+          <p:cNvPr id="5" name="Textfeld 4"/>
+          <p:cNvSpPr txBox="1"/>
+          <p:nvPr/>
+        </p:nvSpPr>
+        <p:spPr>
+          <a:xfrm>
+            <a:off x="838200" y="1950123"/>
+            <a:ext cx="10363200" cy="5909310"/>
+          </a:xfrm>
+          <a:prstGeom prst="rect">
+            <a:avLst/>
+          </a:prstGeom>
+          <a:noFill/>
+        </p:spPr>
+        <p:txBody>
+          <a:bodyPr wrap="square" rtlCol="0">
+            <a:spAutoFit/>
+          </a:bodyPr>
+          <a:lstStyle/>
+          <a:p>
+            <a:r>
+              <a:rPr lang="en-US" altLang="en-US" dirty="0" smtClean="0">
+                <a:latin typeface="Arial" panose="020B0604020202020204" pitchFamily="34" charset="0"/>
+              </a:rPr>
+              <a:t>The </a:t>
+            </a:r>
+            <a:r>
+              <a:rPr lang="en-US" altLang="en-US" dirty="0">
+                <a:latin typeface="Arial" panose="020B0604020202020204" pitchFamily="34" charset="0"/>
+              </a:rPr>
+              <a:t>default shell in all versions of Mac OS X is Bash, so no need to install anything. You access Bash from the Terminal (found in </a:t>
+            </a:r>
+            <a:r>
+              <a:rPr lang="en-US" altLang="en-US" dirty="0">
+                <a:latin typeface="Arial Unicode MS" panose="020B0604020202020204" pitchFamily="34" charset="-128"/>
+              </a:rPr>
+              <a:t>/Applications/Utilities</a:t>
+            </a:r>
+            <a:r>
+              <a:rPr lang="en-US" altLang="en-US" dirty="0"/>
+              <a:t>). </a:t>
+            </a:r>
+            <a:endParaRPr lang="en-US" altLang="en-US" dirty="0" smtClean="0"/>
+          </a:p>
+          <a:p>
+            <a:endParaRPr lang="en-US" altLang="en-US" dirty="0"/>
+          </a:p>
+          <a:p>
+            <a:endParaRPr lang="en-US" altLang="en-US" dirty="0" smtClean="0"/>
+          </a:p>
+          <a:p>
+            <a:r>
+              <a:rPr lang="en-US" altLang="en-US" b="1" dirty="0">
+                <a:latin typeface="Arial" panose="020B0604020202020204" pitchFamily="34" charset="0"/>
+              </a:rPr>
+              <a:t>For OS X 10.9 and higher</a:t>
+            </a:r>
+            <a:r>
+              <a:rPr lang="en-US" altLang="en-US" dirty="0">
+                <a:latin typeface="Arial" panose="020B0604020202020204" pitchFamily="34" charset="0"/>
+              </a:rPr>
+              <a:t>, install </a:t>
+            </a:r>
+            <a:r>
+              <a:rPr lang="en-US" altLang="en-US" dirty="0" err="1">
+                <a:latin typeface="Arial" panose="020B0604020202020204" pitchFamily="34" charset="0"/>
+              </a:rPr>
+              <a:t>Git</a:t>
+            </a:r>
+            <a:r>
+              <a:rPr lang="en-US" altLang="en-US" dirty="0">
+                <a:latin typeface="Arial" panose="020B0604020202020204" pitchFamily="34" charset="0"/>
+              </a:rPr>
+              <a:t> for Mac by downloading and running the most recent "mavericks" installer from </a:t>
+            </a:r>
+            <a:r>
+              <a:rPr lang="en-US" altLang="en-US" dirty="0" smtClean="0">
+                <a:latin typeface="Arial" panose="020B0604020202020204" pitchFamily="34" charset="0"/>
+              </a:rPr>
+              <a:t>here:</a:t>
+            </a:r>
+          </a:p>
+          <a:p>
+            <a:r>
+              <a:rPr lang="en-US" altLang="en-US" dirty="0">
+                <a:latin typeface="Arial" panose="020B0604020202020204" pitchFamily="34" charset="0"/>
+                <a:hlinkClick r:id="rId2"/>
+              </a:rPr>
+              <a:t>https://sourceforge.net/projects/git-osx-installer/files</a:t>
+            </a:r>
+            <a:r>
+              <a:rPr lang="en-US" altLang="en-US" dirty="0" smtClean="0">
+                <a:latin typeface="Arial" panose="020B0604020202020204" pitchFamily="34" charset="0"/>
+                <a:hlinkClick r:id="rId2"/>
+              </a:rPr>
+              <a:t>/</a:t>
+            </a:r>
+            <a:r>
+              <a:rPr lang="en-US" altLang="en-US" dirty="0" smtClean="0">
+                <a:latin typeface="Arial" panose="020B0604020202020204" pitchFamily="34" charset="0"/>
+              </a:rPr>
+              <a:t> </a:t>
+            </a:r>
+            <a:endParaRPr lang="en-US" altLang="en-US" dirty="0">
+              <a:latin typeface="Arial" panose="020B0604020202020204" pitchFamily="34" charset="0"/>
+            </a:endParaRPr>
+          </a:p>
+          <a:p>
+            <a:endParaRPr lang="en-US" altLang="en-US" dirty="0" smtClean="0">
+              <a:latin typeface="Arial" panose="020B0604020202020204" pitchFamily="34" charset="0"/>
+            </a:endParaRPr>
+          </a:p>
+          <a:p>
+            <a:r>
+              <a:rPr lang="en-US" altLang="en-US" dirty="0" smtClean="0">
+                <a:latin typeface="Arial" panose="020B0604020202020204" pitchFamily="34" charset="0"/>
+              </a:rPr>
+              <a:t>After </a:t>
+            </a:r>
+            <a:r>
+              <a:rPr lang="en-US" altLang="en-US" dirty="0">
+                <a:latin typeface="Arial" panose="020B0604020202020204" pitchFamily="34" charset="0"/>
+              </a:rPr>
+              <a:t>installing </a:t>
+            </a:r>
+            <a:r>
+              <a:rPr lang="en-US" altLang="en-US" dirty="0" err="1">
+                <a:latin typeface="Arial" panose="020B0604020202020204" pitchFamily="34" charset="0"/>
+              </a:rPr>
+              <a:t>Git</a:t>
+            </a:r>
+            <a:r>
+              <a:rPr lang="en-US" altLang="en-US" dirty="0">
+                <a:latin typeface="Arial" panose="020B0604020202020204" pitchFamily="34" charset="0"/>
+              </a:rPr>
+              <a:t>, there will not be anything in your </a:t>
+            </a:r>
+            <a:r>
+              <a:rPr lang="en-US" altLang="en-US" dirty="0">
+                <a:latin typeface="Courier New" panose="02070309020205020404" pitchFamily="49" charset="0"/>
+                <a:cs typeface="Courier New" panose="02070309020205020404" pitchFamily="49" charset="0"/>
+              </a:rPr>
+              <a:t>/Applications </a:t>
+            </a:r>
+            <a:r>
+              <a:rPr lang="en-US" altLang="en-US" dirty="0"/>
+              <a:t>folder</a:t>
+            </a:r>
+            <a:r>
+              <a:rPr lang="en-US" altLang="en-US" sz="1100" dirty="0"/>
+              <a:t>, </a:t>
+            </a:r>
+            <a:r>
+              <a:rPr lang="en-US" altLang="en-US" dirty="0"/>
+              <a:t>as </a:t>
+            </a:r>
+            <a:r>
+              <a:rPr lang="en-US" altLang="en-US" dirty="0" err="1"/>
+              <a:t>Git</a:t>
+            </a:r>
+            <a:r>
+              <a:rPr lang="en-US" altLang="en-US" dirty="0"/>
+              <a:t> is a command line program. Also, please install the </a:t>
+            </a:r>
+            <a:r>
+              <a:rPr lang="en-US" altLang="en-US" dirty="0" err="1">
+                <a:latin typeface="Arial" panose="020B0604020202020204" pitchFamily="34" charset="0"/>
+              </a:rPr>
+              <a:t>Github</a:t>
+            </a:r>
+            <a:r>
+              <a:rPr lang="en-US" altLang="en-US" dirty="0">
+                <a:latin typeface="Arial" panose="020B0604020202020204" pitchFamily="34" charset="0"/>
+              </a:rPr>
+              <a:t> Desktop a</a:t>
+            </a:r>
+            <a:r>
+              <a:rPr lang="en-US" altLang="en-US" dirty="0" smtClean="0">
+                <a:latin typeface="Arial" panose="020B0604020202020204" pitchFamily="34" charset="0"/>
+              </a:rPr>
+              <a:t>pp</a:t>
+            </a:r>
+            <a:r>
+              <a:rPr lang="en-US" altLang="en-US" dirty="0">
+                <a:latin typeface="Arial" panose="020B0604020202020204" pitchFamily="34" charset="0"/>
+              </a:rPr>
+              <a:t>. </a:t>
+            </a:r>
+            <a:endParaRPr lang="en-US" altLang="en-US" dirty="0" smtClean="0">
+              <a:latin typeface="Arial" panose="020B0604020202020204" pitchFamily="34" charset="0"/>
+            </a:endParaRPr>
+          </a:p>
+          <a:p>
+            <a:endParaRPr lang="en-US" altLang="en-US" b="1" dirty="0">
+              <a:latin typeface="Arial" panose="020B0604020202020204" pitchFamily="34" charset="0"/>
+            </a:endParaRPr>
+          </a:p>
+          <a:p>
+            <a:r>
+              <a:rPr lang="en-US" altLang="en-US" b="1" dirty="0" smtClean="0">
+                <a:latin typeface="Arial" panose="020B0604020202020204" pitchFamily="34" charset="0"/>
+              </a:rPr>
+              <a:t>For </a:t>
+            </a:r>
+            <a:r>
+              <a:rPr lang="en-US" altLang="en-US" b="1" dirty="0">
+                <a:latin typeface="Arial" panose="020B0604020202020204" pitchFamily="34" charset="0"/>
+              </a:rPr>
+              <a:t>older versions of OS X (10.5-10.8)</a:t>
+            </a:r>
+            <a:r>
+              <a:rPr lang="en-US" altLang="en-US" dirty="0">
+                <a:latin typeface="Arial" panose="020B0604020202020204" pitchFamily="34" charset="0"/>
+              </a:rPr>
+              <a:t> use the most recent available installer labelled "snow-leopard" </a:t>
+            </a:r>
+            <a:r>
+              <a:rPr lang="en-US" altLang="en-US" dirty="0" smtClean="0">
+                <a:latin typeface="Arial" panose="020B0604020202020204" pitchFamily="34" charset="0"/>
+              </a:rPr>
+              <a:t>available here: </a:t>
+            </a:r>
+          </a:p>
+          <a:p>
+            <a:r>
+              <a:rPr lang="en-US" altLang="en-US" dirty="0">
+                <a:latin typeface="Arial" panose="020B0604020202020204" pitchFamily="34" charset="0"/>
+                <a:hlinkClick r:id="rId2"/>
+              </a:rPr>
+              <a:t>https://sourceforge.net/projects/git-osx-installer/files</a:t>
+            </a:r>
+            <a:r>
+              <a:rPr lang="en-US" altLang="en-US" dirty="0" smtClean="0">
+                <a:latin typeface="Arial" panose="020B0604020202020204" pitchFamily="34" charset="0"/>
+                <a:hlinkClick r:id="rId2"/>
+              </a:rPr>
+              <a:t>/</a:t>
+            </a:r>
+            <a:r>
+              <a:rPr lang="en-US" altLang="en-US" dirty="0" smtClean="0">
+                <a:latin typeface="Arial" panose="020B0604020202020204" pitchFamily="34" charset="0"/>
+              </a:rPr>
+              <a:t> </a:t>
+            </a:r>
+            <a:endParaRPr lang="en-US" altLang="en-US" dirty="0">
+              <a:latin typeface="Arial" panose="020B0604020202020204" pitchFamily="34" charset="0"/>
+            </a:endParaRPr>
+          </a:p>
+          <a:p>
+            <a:endParaRPr lang="en-US" altLang="en-US" dirty="0">
+              <a:latin typeface="Arial" panose="020B0604020202020204" pitchFamily="34" charset="0"/>
+            </a:endParaRPr>
+          </a:p>
+          <a:p>
+            <a:r>
+              <a:rPr lang="en-US" altLang="en-US" dirty="0" smtClean="0">
+                <a:latin typeface="Arial" panose="020B0604020202020204" pitchFamily="34" charset="0"/>
+              </a:rPr>
+              <a:t>Then also install the </a:t>
+            </a:r>
+            <a:r>
+              <a:rPr lang="en-US" altLang="en-US" dirty="0" err="1" smtClean="0">
+                <a:latin typeface="Arial" panose="020B0604020202020204" pitchFamily="34" charset="0"/>
+              </a:rPr>
+              <a:t>Github</a:t>
+            </a:r>
+            <a:r>
+              <a:rPr lang="en-US" altLang="en-US" dirty="0" smtClean="0">
+                <a:latin typeface="Arial" panose="020B0604020202020204" pitchFamily="34" charset="0"/>
+              </a:rPr>
+              <a:t> Desktop app. </a:t>
+            </a:r>
+            <a:endParaRPr lang="en-US" altLang="en-US" dirty="0">
+              <a:latin typeface="Arial" panose="020B0604020202020204" pitchFamily="34" charset="0"/>
+            </a:endParaRPr>
+          </a:p>
+          <a:p>
+            <a:endParaRPr lang="en-US" altLang="en-US" dirty="0"/>
+          </a:p>
+          <a:p>
+            <a:endParaRPr lang="en-US" altLang="en-US" dirty="0" smtClean="0"/>
+          </a:p>
+          <a:p>
+            <a:endParaRPr lang="en-US" altLang="en-US" dirty="0" smtClean="0"/>
+          </a:p>
+          <a:p>
+            <a:endParaRPr lang="en-US" dirty="0"/>
+          </a:p>
+          <a:p>
+            <a:endParaRPr lang="en-GB" dirty="0"/>
+          </a:p>
+        </p:txBody>
+      </p:sp>
+    </p:spTree>
+    <p:extLst>
+      <p:ext uri="{BB962C8B-B14F-4D97-AF65-F5344CB8AC3E}">
+        <p14:creationId xmlns:p14="http://schemas.microsoft.com/office/powerpoint/2010/main" val="2479509246"/>
+      </p:ext>
+    </p:extLst>
+  </p:cSld>
+  <p:clrMapOvr>
+    <a:masterClrMapping/>
+  </p:clrMapOvr>
+</p:sld>
+</file>
+
 <file path=ppt/slides/slide2.xml><?xml version="1.0" encoding="utf-8"?>
 <p:sld xmlns:a="http://schemas.openxmlformats.org/drawingml/2006/main" xmlns:r="http://schemas.openxmlformats.org/officeDocument/2006/relationships" xmlns:p="http://schemas.openxmlformats.org/presentationml/2006/main">
   <p:cSld>
@@ -3663,37 +4029,19 @@
               <a:rPr lang="en-US" altLang="en-US" dirty="0" smtClean="0">
                 <a:latin typeface="Arial" panose="020B0604020202020204" pitchFamily="34" charset="0"/>
               </a:rPr>
-              <a:t>o </a:t>
+              <a:t>o to the </a:t>
+            </a:r>
+            <a:r>
+              <a:rPr lang="en-US" altLang="en-US" dirty="0" err="1" smtClean="0">
+                <a:latin typeface="Arial" panose="020B0604020202020204" pitchFamily="34" charset="0"/>
+              </a:rPr>
+              <a:t>Github</a:t>
             </a:r>
             <a:r>
               <a:rPr lang="en-US" altLang="en-US" dirty="0" smtClean="0">
                 <a:latin typeface="Arial" panose="020B0604020202020204" pitchFamily="34" charset="0"/>
               </a:rPr>
-              <a:t>to </a:t>
-            </a:r>
-            <a:r>
-              <a:rPr lang="en-US" altLang="en-US" dirty="0" smtClean="0">
-                <a:latin typeface="Arial" panose="020B0604020202020204" pitchFamily="34" charset="0"/>
-              </a:rPr>
-              <a:t>the </a:t>
-            </a:r>
-            <a:r>
-              <a:rPr lang="en-US" altLang="en-US" dirty="0" err="1" smtClean="0">
-                <a:latin typeface="Arial" panose="020B0604020202020204" pitchFamily="34" charset="0"/>
-              </a:rPr>
-              <a:t>Github</a:t>
-            </a:r>
-            <a:r>
-              <a:rPr lang="en-US" altLang="en-US" dirty="0" smtClean="0">
-                <a:latin typeface="Arial" panose="020B0604020202020204" pitchFamily="34" charset="0"/>
-              </a:rPr>
-              <a:t> webpage and </a:t>
-            </a:r>
-            <a:r>
-              <a:rPr lang="en-US" altLang="en-US" dirty="0" smtClean="0">
-                <a:latin typeface="Arial" panose="020B0604020202020204" pitchFamily="34" charset="0"/>
-              </a:rPr>
-              <a:t>sign up for an account.</a:t>
+              <a:t> webpage and sign up for an account.</a:t>
             </a:r>
             <a:br>
               <a:rPr lang="en-US" altLang="en-US" dirty="0" smtClean="0">
@@ -3705,14 +4053,7 @@
                 <a:latin typeface="Arial" panose="020B0604020202020204" pitchFamily="34" charset="0"/>
                 <a:hlinkClick r:id="rId2"/>
               </a:rPr>
-              <a:t>https://github.com</a:t>
-            </a:r>
-            <a:r>
-              <a:rPr lang="en-US" altLang="en-US" dirty="0" smtClean="0">
-                <a:latin typeface="Arial" panose="020B0604020202020204" pitchFamily="34" charset="0"/>
-                <a:hlinkClick r:id="rId2"/>
-              </a:rPr>
-              <a:t>/</a:t>
+              <a:t>https://github.com/</a:t>
             </a:r>
             <a:endParaRPr lang="en-US" altLang="en-US" dirty="0" smtClean="0">
               <a:latin typeface="Arial" panose="020B0604020202020204" pitchFamily="34" charset="0"/>
@@ -5855,11 +6196,7 @@
             </a:r>
             <a:r>
               <a:rPr lang="de-DE" dirty="0" smtClean="0"/>
-              <a:t> D</a:t>
-            </a:r>
-            <a:r>
-              <a:rPr lang="de-DE" dirty="0" smtClean="0"/>
-              <a:t>esktop App</a:t>
+              <a:t> Desktop App</a:t>
             </a:r>
           </a:p>
           <a:p>
@@ -5961,7 +6298,6 @@
               <a:rPr lang="de-DE" dirty="0" smtClean="0"/>
               <a:t>)</a:t>
             </a:r>
-            <a:endParaRPr lang="de-DE" dirty="0" smtClean="0"/>
           </a:p>
         </p:txBody>
       </p:sp>
@@ -6341,6 +6677,128 @@
     <p:extLst>
       <p:ext uri="{BB962C8B-B14F-4D97-AF65-F5344CB8AC3E}">
         <p14:creationId xmlns:p14="http://schemas.microsoft.com/office/powerpoint/2010/main" val="3801511252"/>
+      </p:ext>
+    </p:extLst>
+  </p:cSld>
+  <p:clrMapOvr>
+    <a:masterClrMapping/>
+  </p:clrMapOvr>
+</p:sld>
+</file>
+
+<file path=ppt/slides/slide9.xml><?xml version="1.0" encoding="utf-8"?>
+<p:sld xmlns:a="http://schemas.openxmlformats.org/drawingml/2006/main" xmlns:r="http://schemas.openxmlformats.org/officeDocument/2006/relationships" xmlns:p="http://schemas.openxmlformats.org/presentationml/2006/main">
+  <p:cSld>
+    <p:spTree>
+      <p:nvGrpSpPr>
+        <p:cNvPr id="1" name=""/>
+        <p:cNvGrpSpPr/>
+        <p:nvPr/>
+      </p:nvGrpSpPr>
+      <p:grpSpPr>
+        <a:xfrm>
+          <a:off x="0" y="0"/>
+          <a:ext cx="0" cy="0"/>
+          <a:chOff x="0" y="0"/>
+          <a:chExt cx="0" cy="0"/>
+        </a:xfrm>
+      </p:grpSpPr>
+      <p:sp>
+        <p:nvSpPr>
+          <p:cNvPr id="2" name="Titel 1"/>
+          <p:cNvSpPr>
+            <a:spLocks noGrp="1"/>
+          </p:cNvSpPr>
+          <p:nvPr>
+            <p:ph type="title"/>
+          </p:nvPr>
+        </p:nvSpPr>
+        <p:spPr/>
+        <p:txBody>
+          <a:bodyPr/>
+          <a:lstStyle/>
+          <a:p>
+            <a:r>
+              <a:rPr lang="de-DE" dirty="0" err="1" smtClean="0"/>
+              <a:t>Useful</a:t>
+            </a:r>
+            <a:r>
+              <a:rPr lang="de-DE" dirty="0" smtClean="0"/>
+              <a:t> links..</a:t>
+            </a:r>
+            <a:endParaRPr lang="en-GB" dirty="0"/>
+          </a:p>
+        </p:txBody>
+      </p:sp>
+      <p:sp>
+        <p:nvSpPr>
+          <p:cNvPr id="3" name="Inhaltsplatzhalter 2"/>
+          <p:cNvSpPr>
+            <a:spLocks noGrp="1"/>
+          </p:cNvSpPr>
+          <p:nvPr>
+            <p:ph idx="1"/>
+          </p:nvPr>
+        </p:nvSpPr>
+        <p:spPr/>
+        <p:txBody>
+          <a:bodyPr/>
+          <a:lstStyle/>
+          <a:p>
+            <a:r>
+              <a:rPr lang="en-GB" dirty="0">
+                <a:hlinkClick r:id="rId2"/>
+              </a:rPr>
+              <a:t>https://guides.github.com/activities/hello-world</a:t>
+            </a:r>
+            <a:r>
+              <a:rPr lang="en-GB" dirty="0" smtClean="0">
+                <a:hlinkClick r:id="rId2"/>
+              </a:rPr>
+              <a:t>/</a:t>
+            </a:r>
+            <a:endParaRPr lang="en-GB" dirty="0" smtClean="0"/>
+          </a:p>
+          <a:p>
+            <a:r>
+              <a:rPr lang="en-GB" dirty="0">
+                <a:hlinkClick r:id="rId3"/>
+              </a:rPr>
+              <a:t>https://guides.github.com/introduction/flow</a:t>
+            </a:r>
+            <a:r>
+              <a:rPr lang="en-GB" dirty="0" smtClean="0">
+                <a:hlinkClick r:id="rId3"/>
+              </a:rPr>
+              <a:t>/</a:t>
+            </a:r>
+            <a:endParaRPr lang="en-GB" dirty="0" smtClean="0"/>
+          </a:p>
+          <a:p>
+            <a:r>
+              <a:rPr lang="en-GB" dirty="0">
+                <a:hlinkClick r:id="rId4"/>
+              </a:rPr>
+              <a:t>https://guides.github.com/features/wikis</a:t>
+            </a:r>
+            <a:r>
+              <a:rPr lang="en-GB" dirty="0" smtClean="0">
+                <a:hlinkClick r:id="rId4"/>
+              </a:rPr>
+              <a:t>/</a:t>
+            </a:r>
+            <a:r>
+              <a:rPr lang="en-GB" dirty="0" smtClean="0"/>
+              <a:t> </a:t>
+            </a:r>
+            <a:endParaRPr lang="en-GB" dirty="0"/>
+          </a:p>
+        </p:txBody>
+      </p:sp>
+    </p:spTree>
+    <p:extLst>
+      <p:ext uri="{BB962C8B-B14F-4D97-AF65-F5344CB8AC3E}">
+        <p14:creationId xmlns:p14="http://schemas.microsoft.com/office/powerpoint/2010/main" val="275631222"/>
       </p:ext>
     </p:extLst>
   </p:cSld>

--- a/Session 29.11.16 Github Setup.pptx
+++ b/Session 29.11.16 Github Setup.pptx
@@ -6720,11 +6720,27 @@
           <a:p>
             <a:r>
               <a:rPr lang="de-DE" dirty="0" err="1" smtClean="0"/>
-              <a:t>Useful</a:t>
-            </a:r>
-            <a:r>
-              <a:rPr lang="de-DE" dirty="0" smtClean="0"/>
-              <a:t> links..</a:t>
+              <a:t>Github</a:t>
+            </a:r>
+            <a:r>
+              <a:rPr lang="de-DE" dirty="0" smtClean="0"/>
+              <a:t> </a:t>
+            </a:r>
+            <a:r>
+              <a:rPr lang="de-DE" dirty="0" err="1" smtClean="0"/>
+              <a:t>help</a:t>
+            </a:r>
+            <a:r>
+              <a:rPr lang="de-DE" dirty="0" smtClean="0"/>
+              <a:t> </a:t>
+            </a:r>
+            <a:r>
+              <a:rPr lang="de-DE" dirty="0" err="1" smtClean="0"/>
+              <a:t>pages</a:t>
+            </a:r>
+            <a:r>
+              <a:rPr lang="de-DE" dirty="0" smtClean="0"/>
+              <a:t> ..</a:t>
             </a:r>
             <a:endParaRPr lang="en-GB" dirty="0"/>
           </a:p>
